--- a/PixYel_Backend/src/pixyel_backend/userinterface/ressources/login_background.pptx
+++ b/PixYel_Backend/src/pixyel_backend/userinterface/ressources/login_background.pptx
@@ -104,6 +104,11 @@
       </a:defRPr>
     </a:lvl9pPr>
   </p:defaultTextStyle>
+  <p:extLst>
+    <p:ext uri="{EFAFB233-063F-42B5-8137-9DF3F51BA10A}">
+      <p15:sldGuideLst xmlns:p15="http://schemas.microsoft.com/office/powerpoint/2012/main"/>
+    </p:ext>
+  </p:extLst>
 </p:presentation>
 </file>
 
@@ -238,7 +243,7 @@
           <a:p>
             <a:fld id="{9B807893-BDC8-4E27-868C-B9F091DC14F4}" type="datetimeFigureOut">
               <a:rPr lang="de-DE" smtClean="0"/>
-              <a:t>21.11.2016</a:t>
+              <a:t>11.12.2016</a:t>
             </a:fld>
             <a:endParaRPr lang="de-DE"/>
           </a:p>
@@ -408,7 +413,7 @@
           <a:p>
             <a:fld id="{9B807893-BDC8-4E27-868C-B9F091DC14F4}" type="datetimeFigureOut">
               <a:rPr lang="de-DE" smtClean="0"/>
-              <a:t>21.11.2016</a:t>
+              <a:t>11.12.2016</a:t>
             </a:fld>
             <a:endParaRPr lang="de-DE"/>
           </a:p>
@@ -588,7 +593,7 @@
           <a:p>
             <a:fld id="{9B807893-BDC8-4E27-868C-B9F091DC14F4}" type="datetimeFigureOut">
               <a:rPr lang="de-DE" smtClean="0"/>
-              <a:t>21.11.2016</a:t>
+              <a:t>11.12.2016</a:t>
             </a:fld>
             <a:endParaRPr lang="de-DE"/>
           </a:p>
@@ -758,7 +763,7 @@
           <a:p>
             <a:fld id="{9B807893-BDC8-4E27-868C-B9F091DC14F4}" type="datetimeFigureOut">
               <a:rPr lang="de-DE" smtClean="0"/>
-              <a:t>21.11.2016</a:t>
+              <a:t>11.12.2016</a:t>
             </a:fld>
             <a:endParaRPr lang="de-DE"/>
           </a:p>
@@ -1004,7 +1009,7 @@
           <a:p>
             <a:fld id="{9B807893-BDC8-4E27-868C-B9F091DC14F4}" type="datetimeFigureOut">
               <a:rPr lang="de-DE" smtClean="0"/>
-              <a:t>21.11.2016</a:t>
+              <a:t>11.12.2016</a:t>
             </a:fld>
             <a:endParaRPr lang="de-DE"/>
           </a:p>
@@ -1236,7 +1241,7 @@
           <a:p>
             <a:fld id="{9B807893-BDC8-4E27-868C-B9F091DC14F4}" type="datetimeFigureOut">
               <a:rPr lang="de-DE" smtClean="0"/>
-              <a:t>21.11.2016</a:t>
+              <a:t>11.12.2016</a:t>
             </a:fld>
             <a:endParaRPr lang="de-DE"/>
           </a:p>
@@ -1603,7 +1608,7 @@
           <a:p>
             <a:fld id="{9B807893-BDC8-4E27-868C-B9F091DC14F4}" type="datetimeFigureOut">
               <a:rPr lang="de-DE" smtClean="0"/>
-              <a:t>21.11.2016</a:t>
+              <a:t>11.12.2016</a:t>
             </a:fld>
             <a:endParaRPr lang="de-DE"/>
           </a:p>
@@ -1721,7 +1726,7 @@
           <a:p>
             <a:fld id="{9B807893-BDC8-4E27-868C-B9F091DC14F4}" type="datetimeFigureOut">
               <a:rPr lang="de-DE" smtClean="0"/>
-              <a:t>21.11.2016</a:t>
+              <a:t>11.12.2016</a:t>
             </a:fld>
             <a:endParaRPr lang="de-DE"/>
           </a:p>
@@ -1816,7 +1821,7 @@
           <a:p>
             <a:fld id="{9B807893-BDC8-4E27-868C-B9F091DC14F4}" type="datetimeFigureOut">
               <a:rPr lang="de-DE" smtClean="0"/>
-              <a:t>21.11.2016</a:t>
+              <a:t>11.12.2016</a:t>
             </a:fld>
             <a:endParaRPr lang="de-DE"/>
           </a:p>
@@ -2093,7 +2098,7 @@
           <a:p>
             <a:fld id="{9B807893-BDC8-4E27-868C-B9F091DC14F4}" type="datetimeFigureOut">
               <a:rPr lang="de-DE" smtClean="0"/>
-              <a:t>21.11.2016</a:t>
+              <a:t>11.12.2016</a:t>
             </a:fld>
             <a:endParaRPr lang="de-DE"/>
           </a:p>
@@ -2350,7 +2355,7 @@
           <a:p>
             <a:fld id="{9B807893-BDC8-4E27-868C-B9F091DC14F4}" type="datetimeFigureOut">
               <a:rPr lang="de-DE" smtClean="0"/>
-              <a:t>21.11.2016</a:t>
+              <a:t>11.12.2016</a:t>
             </a:fld>
             <a:endParaRPr lang="de-DE"/>
           </a:p>
@@ -2566,7 +2571,7 @@
           <a:p>
             <a:fld id="{9B807893-BDC8-4E27-868C-B9F091DC14F4}" type="datetimeFigureOut">
               <a:rPr lang="de-DE" smtClean="0"/>
-              <a:t>21.11.2016</a:t>
+              <a:t>11.12.2016</a:t>
             </a:fld>
             <a:endParaRPr lang="de-DE"/>
           </a:p>
@@ -2987,7 +2992,7 @@
         </p:nvSpPr>
         <p:spPr>
           <a:xfrm>
-            <a:off x="-344245" y="-249168"/>
+            <a:off x="-134328" y="-249168"/>
             <a:ext cx="13531618" cy="6906410"/>
           </a:xfrm>
           <a:prstGeom prst="rect">
@@ -3886,6 +3891,126 @@
           </a:p>
         </p:txBody>
       </p:sp>
+      <p:pic>
+        <p:nvPicPr>
+          <p:cNvPr id="3" name="Grafik 2"/>
+          <p:cNvPicPr>
+            <a:picLocks noChangeAspect="1"/>
+          </p:cNvPicPr>
+          <p:nvPr/>
+        </p:nvPicPr>
+        <p:blipFill>
+          <a:blip r:embed="rId2">
+            <a:extLst>
+              <a:ext uri="{28A0092B-C50C-407E-A947-70E740481C1C}">
+                <a14:useLocalDpi xmlns:a14="http://schemas.microsoft.com/office/drawing/2010/main" val="0"/>
+              </a:ext>
+            </a:extLst>
+          </a:blip>
+          <a:stretch>
+            <a:fillRect/>
+          </a:stretch>
+        </p:blipFill>
+        <p:spPr>
+          <a:xfrm rot="13915364">
+            <a:off x="905920" y="2647590"/>
+            <a:ext cx="964405" cy="964405"/>
+          </a:xfrm>
+          <a:prstGeom prst="rect">
+            <a:avLst/>
+          </a:prstGeom>
+        </p:spPr>
+      </p:pic>
+      <p:pic>
+        <p:nvPicPr>
+          <p:cNvPr id="24" name="Grafik 23"/>
+          <p:cNvPicPr>
+            <a:picLocks noChangeAspect="1"/>
+          </p:cNvPicPr>
+          <p:nvPr/>
+        </p:nvPicPr>
+        <p:blipFill>
+          <a:blip r:embed="rId2">
+            <a:extLst>
+              <a:ext uri="{28A0092B-C50C-407E-A947-70E740481C1C}">
+                <a14:useLocalDpi xmlns:a14="http://schemas.microsoft.com/office/drawing/2010/main" val="0"/>
+              </a:ext>
+            </a:extLst>
+          </a:blip>
+          <a:stretch>
+            <a:fillRect/>
+          </a:stretch>
+        </p:blipFill>
+        <p:spPr>
+          <a:xfrm rot="18195620">
+            <a:off x="6092622" y="4861493"/>
+            <a:ext cx="964405" cy="964405"/>
+          </a:xfrm>
+          <a:prstGeom prst="rect">
+            <a:avLst/>
+          </a:prstGeom>
+        </p:spPr>
+      </p:pic>
+      <p:pic>
+        <p:nvPicPr>
+          <p:cNvPr id="25" name="Grafik 24"/>
+          <p:cNvPicPr>
+            <a:picLocks noChangeAspect="1"/>
+          </p:cNvPicPr>
+          <p:nvPr/>
+        </p:nvPicPr>
+        <p:blipFill>
+          <a:blip r:embed="rId2">
+            <a:extLst>
+              <a:ext uri="{28A0092B-C50C-407E-A947-70E740481C1C}">
+                <a14:useLocalDpi xmlns:a14="http://schemas.microsoft.com/office/drawing/2010/main" val="0"/>
+              </a:ext>
+            </a:extLst>
+          </a:blip>
+          <a:stretch>
+            <a:fillRect/>
+          </a:stretch>
+        </p:blipFill>
+        <p:spPr>
+          <a:xfrm rot="7928607">
+            <a:off x="3444075" y="200453"/>
+            <a:ext cx="964405" cy="964405"/>
+          </a:xfrm>
+          <a:prstGeom prst="rect">
+            <a:avLst/>
+          </a:prstGeom>
+        </p:spPr>
+      </p:pic>
+      <p:pic>
+        <p:nvPicPr>
+          <p:cNvPr id="26" name="Grafik 25"/>
+          <p:cNvPicPr>
+            <a:picLocks noChangeAspect="1"/>
+          </p:cNvPicPr>
+          <p:nvPr/>
+        </p:nvPicPr>
+        <p:blipFill>
+          <a:blip r:embed="rId2">
+            <a:extLst>
+              <a:ext uri="{28A0092B-C50C-407E-A947-70E740481C1C}">
+                <a14:useLocalDpi xmlns:a14="http://schemas.microsoft.com/office/drawing/2010/main" val="0"/>
+              </a:ext>
+            </a:extLst>
+          </a:blip>
+          <a:stretch>
+            <a:fillRect/>
+          </a:stretch>
+        </p:blipFill>
+        <p:spPr>
+          <a:xfrm rot="3726800">
+            <a:off x="10805582" y="629100"/>
+            <a:ext cx="964405" cy="964405"/>
+          </a:xfrm>
+          <a:prstGeom prst="rect">
+            <a:avLst/>
+          </a:prstGeom>
+        </p:spPr>
+      </p:pic>
     </p:spTree>
     <p:extLst>
       <p:ext uri="{BB962C8B-B14F-4D97-AF65-F5344CB8AC3E}">
@@ -4268,6 +4393,173 @@
                                   </p:childTnLst>
                                 </p:cTn>
                               </p:par>
+                              <p:par>
+                                <p:cTn id="37" presetID="26" presetClass="path" presetSubtype="0" fill="hold" nodeType="withEffect">
+                                  <p:stCondLst>
+                                    <p:cond delay="0"/>
+                                  </p:stCondLst>
+                                  <p:childTnLst>
+                                    <p:animMotion origin="layout" path="M 0 0 C 0 0.033 0.027 0.06 0.06 0.06 C 0.099 0.06 0.113 0.03 0.119 0.012 L 0.125 -0.012 C 0.131 -0.03 0.146 -0.06 0.19 -0.06 C 0.218 -0.06 0.25 -0.033 0.25 0 C 0.25 0.033 0.218 0.06 0.19 0.06 C 0.146 0.06 0.131 0.03 0.125 0.012 L 0.119 -0.012 C 0.113 -0.03 0.099 -0.06 0.06 -0.06 C 0.027 -0.06 0 -0.033 0 0 Z" pathEditMode="relative" ptsTypes="">
+                                      <p:cBhvr>
+                                        <p:cTn id="38" dur="25000" fill="hold"/>
+                                        <p:tgtEl>
+                                          <p:spTgt spid="3"/>
+                                        </p:tgtEl>
+                                        <p:attrNameLst>
+                                          <p:attrName>ppt_x</p:attrName>
+                                          <p:attrName>ppt_y</p:attrName>
+                                        </p:attrNameLst>
+                                      </p:cBhvr>
+                                    </p:animMotion>
+                                  </p:childTnLst>
+                                </p:cTn>
+                              </p:par>
+                              <p:par>
+                                <p:cTn id="39" presetID="26" presetClass="path" presetSubtype="0" fill="hold" nodeType="withEffect">
+                                  <p:stCondLst>
+                                    <p:cond delay="0"/>
+                                  </p:stCondLst>
+                                  <p:childTnLst>
+                                    <p:animMotion origin="layout" path="M -2.70833E-6 -3.18205E-6 C 0.01459 0.01599 0.03959 -0.01753 0.0556 -0.07504 C 0.07448 -0.14234 0.06797 -0.18128 0.06302 -0.20036 L 0.05521 -0.22253 C 0.05026 -0.24136 0.04414 -0.2821 0.0655 -0.35817 C 0.07904 -0.40665 0.10651 -0.4492 0.1211 -0.43321 C 0.13555 -0.41722 0.13216 -0.34863 0.11862 -0.29989 C 0.09727 -0.22382 0.0767 -0.21248 0.06589 -0.21067 L 0.05235 -0.21222 C 0.04154 -0.21041 0.02136 -0.20062 0.00248 -0.13331 C -0.01354 -0.07581 -0.01445 -0.01598 -2.70833E-6 -3.18205E-6 Z " pathEditMode="relative" rAng="17940000" ptsTypes="AAAAAAAAAAA">
+                                      <p:cBhvr>
+                                        <p:cTn id="40" dur="25000" fill="hold"/>
+                                        <p:tgtEl>
+                                          <p:spTgt spid="24"/>
+                                        </p:tgtEl>
+                                        <p:attrNameLst>
+                                          <p:attrName>ppt_x</p:attrName>
+                                          <p:attrName>ppt_y</p:attrName>
+                                        </p:attrNameLst>
+                                      </p:cBhvr>
+                                      <p:rCtr x="6055" y="-21661"/>
+                                    </p:animMotion>
+                                  </p:childTnLst>
+                                </p:cTn>
+                              </p:par>
+                              <p:par>
+                                <p:cTn id="41" presetID="26" presetClass="path" presetSubtype="0" fill="hold" nodeType="withEffect">
+                                  <p:stCondLst>
+                                    <p:cond delay="0"/>
+                                  </p:stCondLst>
+                                  <p:childTnLst>
+                                    <p:animMotion origin="layout" path="M 6.25E-7 -1.11398E-6 C -0.01432 -0.01805 -0.04037 0.01109 -0.05872 0.06498 C -0.08086 0.12945 -0.07591 0.16942 -0.07162 0.18876 L -0.06497 0.21197 C -0.06107 0.23182 -0.05651 0.27334 -0.08138 0.34606 C -0.09714 0.39196 -0.12617 0.42883 -0.13997 0.41052 C -0.15404 0.39221 -0.14714 0.32414 -0.13164 0.2785 C -0.10677 0.20604 -0.08594 0.1983 -0.07513 0.19856 L -0.06146 0.20217 C -0.05065 0.20243 -0.03021 0.19572 -0.00846 0.13229 C 0.0099 0.07839 0.0138 0.01857 6.25E-7 -1.11398E-6 Z " pathEditMode="relative" rAng="7440000" ptsTypes="AAAAAAAAAAA">
+                                      <p:cBhvr>
+                                        <p:cTn id="42" dur="25000" fill="hold"/>
+                                        <p:tgtEl>
+                                          <p:spTgt spid="25"/>
+                                        </p:tgtEl>
+                                        <p:attrNameLst>
+                                          <p:attrName>ppt_x</p:attrName>
+                                          <p:attrName>ppt_y</p:attrName>
+                                        </p:attrNameLst>
+                                      </p:cBhvr>
+                                      <p:rCtr x="-6992" y="20526"/>
+                                    </p:animMotion>
+                                  </p:childTnLst>
+                                </p:cTn>
+                              </p:par>
+                              <p:par>
+                                <p:cTn id="43" presetID="26" presetClass="path" presetSubtype="0" fill="hold" nodeType="withEffect">
+                                  <p:stCondLst>
+                                    <p:cond delay="0"/>
+                                  </p:stCondLst>
+                                  <p:childTnLst>
+                                    <p:animMotion origin="layout" path="M -1.25E-6 4.58484E-6 C -0.00885 -0.02785 -0.03893 -0.0227 -0.06693 0.01212 C -0.1 0.05286 -0.10377 0.09334 -0.10417 0.11475 L -0.10273 0.14156 C -0.10312 0.16297 -0.10768 0.20422 -0.14505 0.25038 C -0.16875 0.27978 -0.20312 0.29035 -0.21198 0.2625 C -0.22083 0.23439 -0.20091 0.17792 -0.17721 0.14853 C -0.13984 0.10237 -0.11901 0.11217 -0.10924 0.12093 L -0.09765 0.13512 C -0.08789 0.14414 -0.06784 0.15497 -0.03476 0.11397 C -0.00677 0.07942 0.00886 0.0281 -1.25E-6 4.58484E-6 Z " pathEditMode="relative" rAng="8880000" ptsTypes="AAAAAAAAAAA">
+                                      <p:cBhvr>
+                                        <p:cTn id="44" dur="25000" fill="hold"/>
+                                        <p:tgtEl>
+                                          <p:spTgt spid="26"/>
+                                        </p:tgtEl>
+                                        <p:attrNameLst>
+                                          <p:attrName>ppt_x</p:attrName>
+                                          <p:attrName>ppt_y</p:attrName>
+                                        </p:attrNameLst>
+                                      </p:cBhvr>
+                                      <p:rCtr x="-10599" y="13125"/>
+                                    </p:animMotion>
+                                  </p:childTnLst>
+                                </p:cTn>
+                              </p:par>
+                              <p:par>
+                                <p:cTn id="45" presetID="8" presetClass="emph" presetSubtype="0" fill="hold" nodeType="withEffect">
+                                  <p:stCondLst>
+                                    <p:cond delay="0"/>
+                                  </p:stCondLst>
+                                  <p:childTnLst>
+                                    <p:animRot by="21600000">
+                                      <p:cBhvr>
+                                        <p:cTn id="46" dur="25000" fill="hold"/>
+                                        <p:tgtEl>
+                                          <p:spTgt spid="26"/>
+                                        </p:tgtEl>
+                                        <p:attrNameLst>
+                                          <p:attrName>r</p:attrName>
+                                        </p:attrNameLst>
+                                      </p:cBhvr>
+                                    </p:animRot>
+                                  </p:childTnLst>
+                                </p:cTn>
+                              </p:par>
+                              <p:par>
+                                <p:cTn id="47" presetID="8" presetClass="emph" presetSubtype="0" fill="hold" nodeType="withEffect">
+                                  <p:stCondLst>
+                                    <p:cond delay="0"/>
+                                  </p:stCondLst>
+                                  <p:childTnLst>
+                                    <p:animRot by="-43200000">
+                                      <p:cBhvr>
+                                        <p:cTn id="48" dur="25000" fill="hold"/>
+                                        <p:tgtEl>
+                                          <p:spTgt spid="24"/>
+                                        </p:tgtEl>
+                                        <p:attrNameLst>
+                                          <p:attrName>r</p:attrName>
+                                        </p:attrNameLst>
+                                      </p:cBhvr>
+                                    </p:animRot>
+                                  </p:childTnLst>
+                                </p:cTn>
+                              </p:par>
+                              <p:par>
+                                <p:cTn id="49" presetID="8" presetClass="emph" presetSubtype="0" fill="hold" nodeType="withEffect">
+                                  <p:stCondLst>
+                                    <p:cond delay="0"/>
+                                  </p:stCondLst>
+                                  <p:childTnLst>
+                                    <p:animRot by="10800000">
+                                      <p:cBhvr>
+                                        <p:cTn id="50" dur="25000" fill="hold"/>
+                                        <p:tgtEl>
+                                          <p:spTgt spid="25"/>
+                                        </p:tgtEl>
+                                        <p:attrNameLst>
+                                          <p:attrName>r</p:attrName>
+                                        </p:attrNameLst>
+                                      </p:cBhvr>
+                                    </p:animRot>
+                                  </p:childTnLst>
+                                </p:cTn>
+                              </p:par>
+                              <p:par>
+                                <p:cTn id="51" presetID="8" presetClass="emph" presetSubtype="0" fill="hold" nodeType="withEffect">
+                                  <p:stCondLst>
+                                    <p:cond delay="0"/>
+                                  </p:stCondLst>
+                                  <p:childTnLst>
+                                    <p:animRot by="-64800000">
+                                      <p:cBhvr>
+                                        <p:cTn id="52" dur="25000" fill="hold"/>
+                                        <p:tgtEl>
+                                          <p:spTgt spid="3"/>
+                                        </p:tgtEl>
+                                        <p:attrNameLst>
+                                          <p:attrName>r</p:attrName>
+                                        </p:attrNameLst>
+                                      </p:cBhvr>
+                                    </p:animRot>
+                                  </p:childTnLst>
+                                </p:cTn>
+                              </p:par>
                             </p:childTnLst>
                           </p:cTn>
                         </p:par>
